--- a/lectures/DJ-07-Views-Generic.pptx
+++ b/lectures/DJ-07-Views-Generic.pptx
@@ -3301,10 +3301,10 @@
           <p:cNvPr id="10" name="Rectangle 9">
             <a:extLst>
               <a:ext uri="{FF2B5EF4-FFF2-40B4-BE49-F238E27FC236}">
-                <a16:creationId xmlns="" xmlns:a16="http://schemas.microsoft.com/office/drawing/2014/main" id="{E20EB187-900F-4AF5-813B-101456D9FD39}"/>
+                <a16:creationId xmlns:a16="http://schemas.microsoft.com/office/drawing/2014/main" xmlns="" id="{E20EB187-900F-4AF5-813B-101456D9FD39}"/>
               </a:ext>
               <a:ext uri="{C183D7F6-B498-43B3-948B-1728B52AA6E4}">
-                <adec:decorative xmlns="" xmlns:adec="http://schemas.microsoft.com/office/drawing/2017/decorative" val="1"/>
+                <adec:decorative xmlns:adec="http://schemas.microsoft.com/office/drawing/2017/decorative" xmlns="" val="1"/>
               </a:ext>
             </a:extLst>
           </p:cNvPr>
@@ -3448,10 +3448,10 @@
           <p:cNvPr id="12" name="Straight Connector 11">
             <a:extLst>
               <a:ext uri="{FF2B5EF4-FFF2-40B4-BE49-F238E27FC236}">
-                <a16:creationId xmlns="" xmlns:a16="http://schemas.microsoft.com/office/drawing/2014/main" id="{624D17C8-E9C2-48A4-AA36-D7048A6CCC41}"/>
+                <a16:creationId xmlns:a16="http://schemas.microsoft.com/office/drawing/2014/main" xmlns="" id="{624D17C8-E9C2-48A4-AA36-D7048A6CCC41}"/>
               </a:ext>
               <a:ext uri="{C183D7F6-B498-43B3-948B-1728B52AA6E4}">
-                <adec:decorative xmlns="" xmlns:adec="http://schemas.microsoft.com/office/drawing/2017/decorative" val="1"/>
+                <adec:decorative xmlns:adec="http://schemas.microsoft.com/office/drawing/2017/decorative" xmlns="" val="1"/>
               </a:ext>
             </a:extLst>
           </p:cNvPr>
@@ -5425,7 +5425,7 @@
             <a:pPr algn="ctr"/>
             <a:r>
               <a:rPr lang="en-US" dirty="0" err="1" smtClean="0"/>
-              <a:t>django.views.generic.ListView</a:t>
+              <a:t>django.views.generic.DetailView</a:t>
             </a:r>
             <a:endParaRPr lang="en-US" dirty="0"/>
           </a:p>
@@ -9222,6 +9222,13 @@
   <p:clrMapOvr>
     <a:masterClrMapping/>
   </p:clrMapOvr>
+  <p:timing>
+    <p:tnLst>
+      <p:par>
+        <p:cTn id="1" dur="indefinite" restart="never" nodeType="tmRoot"/>
+      </p:par>
+    </p:tnLst>
+  </p:timing>
 </p:sld>
 </file>
 
@@ -9419,6 +9426,13 @@
   <p:clrMapOvr>
     <a:masterClrMapping/>
   </p:clrMapOvr>
+  <p:timing>
+    <p:tnLst>
+      <p:par>
+        <p:cTn id="1" dur="indefinite" restart="never" nodeType="tmRoot"/>
+      </p:par>
+    </p:tnLst>
+  </p:timing>
 </p:sld>
 </file>
 
@@ -10045,6 +10059,13 @@
   <p:clrMapOvr>
     <a:masterClrMapping/>
   </p:clrMapOvr>
+  <p:timing>
+    <p:tnLst>
+      <p:par>
+        <p:cTn id="1" dur="indefinite" restart="never" nodeType="tmRoot"/>
+      </p:par>
+    </p:tnLst>
+  </p:timing>
 </p:sld>
 </file>
 
@@ -10437,6 +10458,13 @@
   <p:clrMapOvr>
     <a:masterClrMapping/>
   </p:clrMapOvr>
+  <p:timing>
+    <p:tnLst>
+      <p:par>
+        <p:cTn id="1" dur="indefinite" restart="never" nodeType="tmRoot"/>
+      </p:par>
+    </p:tnLst>
+  </p:timing>
 </p:sld>
 </file>
 
@@ -16415,14 +16443,6 @@
               </a:rPr>
               <a:t>),</a:t>
             </a:r>
-            <a:endParaRPr lang="en-US" dirty="0">
-              <a:solidFill>
-                <a:srgbClr val="000000"/>
-              </a:solidFill>
-              <a:latin typeface="Courier" charset="0"/>
-              <a:ea typeface="Courier" charset="0"/>
-              <a:cs typeface="Courier" charset="0"/>
-            </a:endParaRPr>
           </a:p>
           <a:p>
             <a:r>
@@ -20124,6 +20144,13 @@
   <p:clrMapOvr>
     <a:masterClrMapping/>
   </p:clrMapOvr>
+  <p:timing>
+    <p:tnLst>
+      <p:par>
+        <p:cTn id="1" dur="indefinite" restart="never" nodeType="tmRoot"/>
+      </p:par>
+    </p:tnLst>
+  </p:timing>
 </p:sld>
 </file>
 
@@ -20406,6 +20433,13 @@
   <p:clrMapOvr>
     <a:masterClrMapping/>
   </p:clrMapOvr>
+  <p:timing>
+    <p:tnLst>
+      <p:par>
+        <p:cTn id="1" dur="indefinite" restart="never" nodeType="tmRoot"/>
+      </p:par>
+    </p:tnLst>
+  </p:timing>
 </p:sld>
 </file>
 
